--- a/시작_비용분담.pptx
+++ b/시작_비용분담.pptx
@@ -145,6 +145,9 @@
           </p14:sldIdLst>
         </p14:section>
       </p14:sectionLst>
+    </p:ext>
+    <p:ext uri="{EFAFB233-063F-42B5-8137-9DF3F51BA10A}">
+      <p15:sldGuideLst xmlns:p15="http://schemas.microsoft.com/office/powerpoint/2012/main"/>
     </p:ext>
   </p:extLst>
 </p:presentation>
@@ -7165,8 +7168,8 @@
           </a:p>
         </p:txBody>
       </p:sp>
-      <mc:AlternateContent xmlns:mc="http://schemas.openxmlformats.org/markup-compatibility/2006">
-        <mc:Choice xmlns:a14="http://schemas.microsoft.com/office/drawing/2010/main" Requires="a14">
+      <mc:AlternateContent xmlns:mc="http://schemas.openxmlformats.org/markup-compatibility/2006" xmlns:a14="http://schemas.microsoft.com/office/drawing/2010/main">
+        <mc:Choice Requires="a14">
           <p:sp>
             <p:nvSpPr>
               <p:cNvPr id="17" name="TextBox 16">
@@ -7306,7 +7309,7 @@
             </p:txBody>
           </p:sp>
         </mc:Choice>
-        <mc:Fallback>
+        <mc:Fallback xmlns="">
           <p:sp>
             <p:nvSpPr>
               <p:cNvPr id="17" name="TextBox 16">
@@ -7422,8 +7425,8 @@
           </a:fontRef>
         </p:style>
       </p:cxnSp>
-      <mc:AlternateContent xmlns:mc="http://schemas.openxmlformats.org/markup-compatibility/2006">
-        <mc:Choice xmlns:a14="http://schemas.microsoft.com/office/drawing/2010/main" Requires="a14">
+      <mc:AlternateContent xmlns:mc="http://schemas.openxmlformats.org/markup-compatibility/2006" xmlns:a14="http://schemas.microsoft.com/office/drawing/2010/main">
+        <mc:Choice Requires="a14">
           <p:sp>
             <p:nvSpPr>
               <p:cNvPr id="21" name="TextBox 20">
@@ -7452,6 +7455,7 @@
               </a:bodyPr>
               <a:lstStyle/>
               <a:p>
+                <a:pPr/>
                 <a14:m>
                   <m:oMathPara xmlns:m="http://schemas.openxmlformats.org/officeDocument/2006/math">
                     <m:oMathParaPr>
@@ -7472,7 +7476,7 @@
             </p:txBody>
           </p:sp>
         </mc:Choice>
-        <mc:Fallback>
+        <mc:Fallback xmlns="">
           <p:sp>
             <p:nvSpPr>
               <p:cNvPr id="21" name="TextBox 20">
@@ -7517,8 +7521,8 @@
           </p:sp>
         </mc:Fallback>
       </mc:AlternateContent>
-      <mc:AlternateContent xmlns:mc="http://schemas.openxmlformats.org/markup-compatibility/2006">
-        <mc:Choice xmlns:a14="http://schemas.microsoft.com/office/drawing/2010/main" Requires="a14">
+      <mc:AlternateContent xmlns:mc="http://schemas.openxmlformats.org/markup-compatibility/2006" xmlns:a14="http://schemas.microsoft.com/office/drawing/2010/main">
+        <mc:Choice Requires="a14">
           <p:sp>
             <p:nvSpPr>
               <p:cNvPr id="22" name="TextBox 21">
@@ -7649,7 +7653,7 @@
             </p:txBody>
           </p:sp>
         </mc:Choice>
-        <mc:Fallback>
+        <mc:Fallback xmlns="">
           <p:sp>
             <p:nvSpPr>
               <p:cNvPr id="22" name="TextBox 21">
@@ -7752,8 +7756,8 @@
           </a:p>
         </p:txBody>
       </p:sp>
-      <mc:AlternateContent xmlns:mc="http://schemas.openxmlformats.org/markup-compatibility/2006">
-        <mc:Choice xmlns:a14="http://schemas.microsoft.com/office/drawing/2010/main" Requires="a14">
+      <mc:AlternateContent xmlns:mc="http://schemas.openxmlformats.org/markup-compatibility/2006" xmlns:a14="http://schemas.microsoft.com/office/drawing/2010/main">
+        <mc:Choice Requires="a14">
           <p:sp>
             <p:nvSpPr>
               <p:cNvPr id="17" name="TextBox 16">
@@ -7866,19 +7870,7 @@
                           <a:rPr lang="en-US" altLang="ko-KR" b="0" i="1" smtClean="0">
                             <a:latin typeface="Cambria Math" panose="02040503050406030204" pitchFamily="18" charset="0"/>
                           </a:rPr>
-                          <m:t>(</m:t>
-                        </m:r>
-                        <m:r>
-                          <a:rPr lang="en-US" altLang="ko-KR" b="0" i="1" smtClean="0">
-                            <a:latin typeface="Cambria Math" panose="02040503050406030204" pitchFamily="18" charset="0"/>
-                          </a:rPr>
-                          <m:t>2</m:t>
-                        </m:r>
-                        <m:r>
-                          <a:rPr lang="en-US" altLang="ko-KR" b="0" i="1" smtClean="0">
-                            <a:latin typeface="Cambria Math" panose="02040503050406030204" pitchFamily="18" charset="0"/>
-                          </a:rPr>
-                          <m:t>)</m:t>
+                          <m:t>(2)</m:t>
                         </m:r>
                       </m:sup>
                     </m:sSubSup>
@@ -7957,7 +7949,7 @@
             </p:txBody>
           </p:sp>
         </mc:Choice>
-        <mc:Fallback>
+        <mc:Fallback xmlns="">
           <p:sp>
             <p:nvSpPr>
               <p:cNvPr id="17" name="TextBox 16">
@@ -8002,8 +7994,8 @@
           </p:sp>
         </mc:Fallback>
       </mc:AlternateContent>
-      <mc:AlternateContent xmlns:mc="http://schemas.openxmlformats.org/markup-compatibility/2006">
-        <mc:Choice xmlns:a14="http://schemas.microsoft.com/office/drawing/2010/main" Requires="a14">
+      <mc:AlternateContent xmlns:mc="http://schemas.openxmlformats.org/markup-compatibility/2006" xmlns:a14="http://schemas.microsoft.com/office/drawing/2010/main">
+        <mc:Choice Requires="a14">
           <p:sp>
             <p:nvSpPr>
               <p:cNvPr id="24" name="TextBox 23">
@@ -8080,7 +8072,7 @@
             </p:txBody>
           </p:sp>
         </mc:Choice>
-        <mc:Fallback>
+        <mc:Fallback xmlns="">
           <p:sp>
             <p:nvSpPr>
               <p:cNvPr id="24" name="TextBox 23">
@@ -8125,8 +8117,8 @@
           </p:sp>
         </mc:Fallback>
       </mc:AlternateContent>
-      <mc:AlternateContent xmlns:mc="http://schemas.openxmlformats.org/markup-compatibility/2006">
-        <mc:Choice xmlns:a14="http://schemas.microsoft.com/office/drawing/2010/main" Requires="a14">
+      <mc:AlternateContent xmlns:mc="http://schemas.openxmlformats.org/markup-compatibility/2006" xmlns:a14="http://schemas.microsoft.com/office/drawing/2010/main">
+        <mc:Choice Requires="a14">
           <p:sp>
             <p:nvSpPr>
               <p:cNvPr id="25" name="TextBox 24">
@@ -8191,19 +8183,7 @@
                             <a:rPr lang="en-US" altLang="ko-KR" b="0" i="1" smtClean="0">
                               <a:latin typeface="Cambria Math" panose="02040503050406030204" pitchFamily="18" charset="0"/>
                             </a:rPr>
-                            <m:t>(</m:t>
-                          </m:r>
-                          <m:r>
-                            <a:rPr lang="en-US" altLang="ko-KR" b="0" i="1" smtClean="0">
-                              <a:latin typeface="Cambria Math" panose="02040503050406030204" pitchFamily="18" charset="0"/>
-                            </a:rPr>
-                            <m:t>2</m:t>
-                          </m:r>
-                          <m:r>
-                            <a:rPr lang="en-US" altLang="ko-KR" b="0" i="1" smtClean="0">
-                              <a:latin typeface="Cambria Math" panose="02040503050406030204" pitchFamily="18" charset="0"/>
-                            </a:rPr>
-                            <m:t>)</m:t>
+                            <m:t>(2)</m:t>
                           </m:r>
                         </m:sup>
                       </m:sSubSup>
@@ -8215,7 +8195,7 @@
             </p:txBody>
           </p:sp>
         </mc:Choice>
-        <mc:Fallback>
+        <mc:Fallback xmlns="">
           <p:sp>
             <p:nvSpPr>
               <p:cNvPr id="25" name="TextBox 24">
@@ -8260,8 +8240,8 @@
           </p:sp>
         </mc:Fallback>
       </mc:AlternateContent>
-      <mc:AlternateContent xmlns:mc="http://schemas.openxmlformats.org/markup-compatibility/2006">
-        <mc:Choice xmlns:a14="http://schemas.microsoft.com/office/drawing/2010/main" Requires="a14">
+      <mc:AlternateContent xmlns:mc="http://schemas.openxmlformats.org/markup-compatibility/2006" xmlns:a14="http://schemas.microsoft.com/office/drawing/2010/main">
+        <mc:Choice Requires="a14">
           <p:sp>
             <p:nvSpPr>
               <p:cNvPr id="26" name="TextBox 25">
@@ -8326,19 +8306,7 @@
                             <a:rPr lang="en-US" altLang="ko-KR" b="0" i="1" smtClean="0">
                               <a:latin typeface="Cambria Math" panose="02040503050406030204" pitchFamily="18" charset="0"/>
                             </a:rPr>
-                            <m:t>(</m:t>
-                          </m:r>
-                          <m:r>
-                            <a:rPr lang="en-US" altLang="ko-KR" b="0" i="1" smtClean="0">
-                              <a:latin typeface="Cambria Math" panose="02040503050406030204" pitchFamily="18" charset="0"/>
-                            </a:rPr>
-                            <m:t>3</m:t>
-                          </m:r>
-                          <m:r>
-                            <a:rPr lang="en-US" altLang="ko-KR" b="0" i="1" smtClean="0">
-                              <a:latin typeface="Cambria Math" panose="02040503050406030204" pitchFamily="18" charset="0"/>
-                            </a:rPr>
-                            <m:t>)</m:t>
+                            <m:t>(3)</m:t>
                           </m:r>
                         </m:sup>
                       </m:sSubSup>
@@ -8350,7 +8318,7 @@
             </p:txBody>
           </p:sp>
         </mc:Choice>
-        <mc:Fallback>
+        <mc:Fallback xmlns="">
           <p:sp>
             <p:nvSpPr>
               <p:cNvPr id="26" name="TextBox 25">
@@ -8395,8 +8363,8 @@
           </p:sp>
         </mc:Fallback>
       </mc:AlternateContent>
-      <mc:AlternateContent xmlns:mc="http://schemas.openxmlformats.org/markup-compatibility/2006">
-        <mc:Choice xmlns:a14="http://schemas.microsoft.com/office/drawing/2010/main" Requires="a14">
+      <mc:AlternateContent xmlns:mc="http://schemas.openxmlformats.org/markup-compatibility/2006" xmlns:a14="http://schemas.microsoft.com/office/drawing/2010/main">
+        <mc:Choice Requires="a14">
           <p:sp>
             <p:nvSpPr>
               <p:cNvPr id="27" name="TextBox 26">
@@ -8485,7 +8453,7 @@
             </p:txBody>
           </p:sp>
         </mc:Choice>
-        <mc:Fallback>
+        <mc:Fallback xmlns="">
           <p:sp>
             <p:nvSpPr>
               <p:cNvPr id="27" name="TextBox 26">
@@ -8530,8 +8498,8 @@
           </p:sp>
         </mc:Fallback>
       </mc:AlternateContent>
-      <mc:AlternateContent xmlns:mc="http://schemas.openxmlformats.org/markup-compatibility/2006">
-        <mc:Choice xmlns:a14="http://schemas.microsoft.com/office/drawing/2010/main" Requires="a14">
+      <mc:AlternateContent xmlns:mc="http://schemas.openxmlformats.org/markup-compatibility/2006" xmlns:a14="http://schemas.microsoft.com/office/drawing/2010/main">
+        <mc:Choice Requires="a14">
           <p:sp>
             <p:nvSpPr>
               <p:cNvPr id="28" name="TextBox 27">
@@ -8581,7 +8549,7 @@
             </p:txBody>
           </p:sp>
         </mc:Choice>
-        <mc:Fallback>
+        <mc:Fallback xmlns="">
           <p:sp>
             <p:nvSpPr>
               <p:cNvPr id="28" name="TextBox 27">
@@ -8958,8 +8926,8 @@
           </a:p>
         </p:txBody>
       </p:sp>
-      <mc:AlternateContent xmlns:mc="http://schemas.openxmlformats.org/markup-compatibility/2006">
-        <mc:Choice xmlns:a14="http://schemas.microsoft.com/office/drawing/2010/main" Requires="a14">
+      <mc:AlternateContent xmlns:mc="http://schemas.openxmlformats.org/markup-compatibility/2006" xmlns:a14="http://schemas.microsoft.com/office/drawing/2010/main">
+        <mc:Choice Requires="a14">
           <p:sp>
             <p:nvSpPr>
               <p:cNvPr id="42" name="TextBox 41">
@@ -9040,7 +9008,7 @@
             </p:txBody>
           </p:sp>
         </mc:Choice>
-        <mc:Fallback>
+        <mc:Fallback xmlns="">
           <p:sp>
             <p:nvSpPr>
               <p:cNvPr id="42" name="TextBox 41">
@@ -9085,8 +9053,8 @@
           </p:sp>
         </mc:Fallback>
       </mc:AlternateContent>
-      <mc:AlternateContent xmlns:mc="http://schemas.openxmlformats.org/markup-compatibility/2006">
-        <mc:Choice xmlns:a14="http://schemas.microsoft.com/office/drawing/2010/main" Requires="a14">
+      <mc:AlternateContent xmlns:mc="http://schemas.openxmlformats.org/markup-compatibility/2006" xmlns:a14="http://schemas.microsoft.com/office/drawing/2010/main">
+        <mc:Choice Requires="a14">
           <p:sp>
             <p:nvSpPr>
               <p:cNvPr id="43" name="TextBox 42">
@@ -9155,7 +9123,7 @@
             </p:txBody>
           </p:sp>
         </mc:Choice>
-        <mc:Fallback>
+        <mc:Fallback xmlns="">
           <p:sp>
             <p:nvSpPr>
               <p:cNvPr id="43" name="TextBox 42">
@@ -9200,8 +9168,8 @@
           </p:sp>
         </mc:Fallback>
       </mc:AlternateContent>
-      <mc:AlternateContent xmlns:mc="http://schemas.openxmlformats.org/markup-compatibility/2006">
-        <mc:Choice xmlns:a14="http://schemas.microsoft.com/office/drawing/2010/main" Requires="a14">
+      <mc:AlternateContent xmlns:mc="http://schemas.openxmlformats.org/markup-compatibility/2006" xmlns:a14="http://schemas.microsoft.com/office/drawing/2010/main">
+        <mc:Choice Requires="a14">
           <p:sp>
             <p:nvSpPr>
               <p:cNvPr id="44" name="TextBox 43">
@@ -9270,7 +9238,7 @@
             </p:txBody>
           </p:sp>
         </mc:Choice>
-        <mc:Fallback>
+        <mc:Fallback xmlns="">
           <p:sp>
             <p:nvSpPr>
               <p:cNvPr id="44" name="TextBox 43">
@@ -9315,8 +9283,8 @@
           </p:sp>
         </mc:Fallback>
       </mc:AlternateContent>
-      <mc:AlternateContent xmlns:mc="http://schemas.openxmlformats.org/markup-compatibility/2006">
-        <mc:Choice xmlns:a14="http://schemas.microsoft.com/office/drawing/2010/main" Requires="a14">
+      <mc:AlternateContent xmlns:mc="http://schemas.openxmlformats.org/markup-compatibility/2006" xmlns:a14="http://schemas.microsoft.com/office/drawing/2010/main">
+        <mc:Choice Requires="a14">
           <p:sp>
             <p:nvSpPr>
               <p:cNvPr id="45" name="TextBox 44">
@@ -9385,7 +9353,7 @@
             </p:txBody>
           </p:sp>
         </mc:Choice>
-        <mc:Fallback>
+        <mc:Fallback xmlns="">
           <p:sp>
             <p:nvSpPr>
               <p:cNvPr id="45" name="TextBox 44">
@@ -9469,8 +9437,8 @@
           </a:fontRef>
         </p:style>
       </p:cxnSp>
-      <mc:AlternateContent xmlns:mc="http://schemas.openxmlformats.org/markup-compatibility/2006">
-        <mc:Choice xmlns:a14="http://schemas.microsoft.com/office/drawing/2010/main" Requires="a14">
+      <mc:AlternateContent xmlns:mc="http://schemas.openxmlformats.org/markup-compatibility/2006" xmlns:a14="http://schemas.microsoft.com/office/drawing/2010/main">
+        <mc:Choice Requires="a14">
           <p:sp>
             <p:nvSpPr>
               <p:cNvPr id="48" name="TextBox 47">
@@ -9520,7 +9488,7 @@
             </p:txBody>
           </p:sp>
         </mc:Choice>
-        <mc:Fallback>
+        <mc:Fallback xmlns="">
           <p:sp>
             <p:nvSpPr>
               <p:cNvPr id="48" name="TextBox 47">
@@ -9565,8 +9533,8 @@
           </p:sp>
         </mc:Fallback>
       </mc:AlternateContent>
-      <mc:AlternateContent xmlns:mc="http://schemas.openxmlformats.org/markup-compatibility/2006">
-        <mc:Choice xmlns:a14="http://schemas.microsoft.com/office/drawing/2010/main" Requires="a14">
+      <mc:AlternateContent xmlns:mc="http://schemas.openxmlformats.org/markup-compatibility/2006" xmlns:a14="http://schemas.microsoft.com/office/drawing/2010/main">
+        <mc:Choice Requires="a14">
           <p:sp>
             <p:nvSpPr>
               <p:cNvPr id="49" name="TextBox 48">
@@ -9635,7 +9603,7 @@
             </p:txBody>
           </p:sp>
         </mc:Choice>
-        <mc:Fallback>
+        <mc:Fallback xmlns="">
           <p:sp>
             <p:nvSpPr>
               <p:cNvPr id="49" name="TextBox 48">
@@ -10864,6 +10832,64 @@
           </a:p>
         </p:txBody>
       </p:sp>
+      <p:sp>
+        <p:nvSpPr>
+          <p:cNvPr id="3" name="직사각형 2">
+            <a:extLst>
+              <a:ext uri="{FF2B5EF4-FFF2-40B4-BE49-F238E27FC236}">
+                <a16:creationId xmlns:a16="http://schemas.microsoft.com/office/drawing/2014/main" id="{409FB413-4B4C-1BE9-092A-537AF21C7F16}"/>
+              </a:ext>
+            </a:extLst>
+          </p:cNvPr>
+          <p:cNvSpPr/>
+          <p:nvPr/>
+        </p:nvSpPr>
+        <p:spPr>
+          <a:xfrm>
+            <a:off x="1470991" y="1690688"/>
+            <a:ext cx="3419061" cy="1325563"/>
+          </a:xfrm>
+          <a:prstGeom prst="rect">
+            <a:avLst/>
+          </a:prstGeom>
+        </p:spPr>
+        <p:style>
+          <a:lnRef idx="2">
+            <a:schemeClr val="accent1">
+              <a:shade val="50000"/>
+            </a:schemeClr>
+          </a:lnRef>
+          <a:fillRef idx="1">
+            <a:schemeClr val="accent1"/>
+          </a:fillRef>
+          <a:effectRef idx="0">
+            <a:schemeClr val="accent1"/>
+          </a:effectRef>
+          <a:fontRef idx="minor">
+            <a:schemeClr val="lt1"/>
+          </a:fontRef>
+        </p:style>
+        <p:txBody>
+          <a:bodyPr rtlCol="0" anchor="ctr"/>
+          <a:lstStyle/>
+          <a:p>
+            <a:pPr algn="ctr"/>
+            <a:r>
+              <a:rPr lang="ko-KR" altLang="en-US" dirty="0"/>
+              <a:t>석아 여기서 시간 개념은 </a:t>
+            </a:r>
+            <a:r>
+              <a:rPr lang="ko-KR" altLang="en-US" dirty="0" err="1"/>
+              <a:t>뭐고</a:t>
+            </a:r>
+            <a:r>
+              <a:rPr lang="en-US" altLang="ko-KR" dirty="0"/>
+              <a:t>?</a:t>
+            </a:r>
+            <a:endParaRPr lang="ko-KR" altLang="en-US" dirty="0"/>
+          </a:p>
+        </p:txBody>
+      </p:sp>
     </p:spTree>
     <p:extLst>
       <p:ext uri="{BB962C8B-B14F-4D97-AF65-F5344CB8AC3E}">
@@ -12073,8 +12099,8 @@
           </a:p>
         </p:txBody>
       </p:sp>
-      <mc:AlternateContent xmlns:mc="http://schemas.openxmlformats.org/markup-compatibility/2006">
-        <mc:Choice xmlns:a14="http://schemas.microsoft.com/office/drawing/2010/main" Requires="a14">
+      <mc:AlternateContent xmlns:mc="http://schemas.openxmlformats.org/markup-compatibility/2006" xmlns:a14="http://schemas.microsoft.com/office/drawing/2010/main">
+        <mc:Choice Requires="a14">
           <p:sp>
             <p:nvSpPr>
               <p:cNvPr id="3" name="TextBox 2">
@@ -12210,7 +12236,7 @@
             </p:txBody>
           </p:sp>
         </mc:Choice>
-        <mc:Fallback>
+        <mc:Fallback xmlns="">
           <p:sp>
             <p:nvSpPr>
               <p:cNvPr id="3" name="TextBox 2">
@@ -13085,6 +13111,68 @@
               <a:rPr lang="ko-KR" altLang="en-US" b="1" dirty="0"/>
               <a:t>와 똑같이 비용을 분담해야 함</a:t>
             </a:r>
+          </a:p>
+        </p:txBody>
+      </p:sp>
+      <p:sp>
+        <p:nvSpPr>
+          <p:cNvPr id="3" name="직사각형 2">
+            <a:extLst>
+              <a:ext uri="{FF2B5EF4-FFF2-40B4-BE49-F238E27FC236}">
+                <a16:creationId xmlns:a16="http://schemas.microsoft.com/office/drawing/2014/main" id="{DD8DEF1E-F457-73FA-6B86-9FADF9A9E513}"/>
+              </a:ext>
+            </a:extLst>
+          </p:cNvPr>
+          <p:cNvSpPr/>
+          <p:nvPr/>
+        </p:nvSpPr>
+        <p:spPr>
+          <a:xfrm>
+            <a:off x="8488017" y="3826565"/>
+            <a:ext cx="3299792" cy="2386325"/>
+          </a:xfrm>
+          <a:prstGeom prst="rect">
+            <a:avLst/>
+          </a:prstGeom>
+        </p:spPr>
+        <p:style>
+          <a:lnRef idx="2">
+            <a:schemeClr val="accent1">
+              <a:shade val="50000"/>
+            </a:schemeClr>
+          </a:lnRef>
+          <a:fillRef idx="1">
+            <a:schemeClr val="accent1"/>
+          </a:fillRef>
+          <a:effectRef idx="0">
+            <a:schemeClr val="accent1"/>
+          </a:effectRef>
+          <a:fontRef idx="minor">
+            <a:schemeClr val="lt1"/>
+          </a:fontRef>
+        </p:style>
+        <p:txBody>
+          <a:bodyPr rtlCol="0" anchor="ctr"/>
+          <a:lstStyle/>
+          <a:p>
+            <a:pPr algn="ctr"/>
+            <a:r>
+              <a:rPr lang="ko-KR" altLang="en-US" dirty="0"/>
+              <a:t>예시 지리네</a:t>
+            </a:r>
+            <a:r>
+              <a:rPr lang="en-US" altLang="ko-KR" dirty="0"/>
+              <a:t>. </a:t>
+            </a:r>
+            <a:r>
+              <a:rPr lang="ko-KR" altLang="en-US" dirty="0"/>
+              <a:t>논문에 그림 잘 그려서 넣자</a:t>
+            </a:r>
+            <a:r>
+              <a:rPr lang="en-US" altLang="ko-KR" dirty="0"/>
+              <a:t>.</a:t>
+            </a:r>
+            <a:endParaRPr lang="ko-KR" altLang="en-US" dirty="0"/>
           </a:p>
         </p:txBody>
       </p:sp>
